--- a/docs/발표자료.pptx
+++ b/docs/발표자료.pptx
@@ -211,7 +211,7 @@
           <a:p>
             <a:fld id="{F3A6DB16-28FB-4CEA-9094-E65028644022}" type="datetimeFigureOut">
               <a:rPr lang="ko-KR" altLang="en-US" smtClean="0"/>
-              <a:t>2012-01-24</a:t>
+              <a:t>2012-01-26</a:t>
             </a:fld>
             <a:endParaRPr lang="ko-KR" altLang="en-US"/>
           </a:p>
@@ -377,7 +377,7 @@
           <a:p>
             <a:fld id="{4A91D267-B320-4105-AF60-E700C4D7049B}" type="datetimeFigureOut">
               <a:rPr lang="ko-KR" altLang="en-US" smtClean="0"/>
-              <a:t>2012-01-24</a:t>
+              <a:t>2012-01-26</a:t>
             </a:fld>
             <a:endParaRPr lang="ko-KR" altLang="en-US"/>
           </a:p>
@@ -2916,15 +2916,7 @@
           <a:p>
             <a:r>
               <a:rPr lang="en-US" altLang="ko-KR" dirty="0" smtClean="0"/>
-              <a:t>Random </a:t>
-            </a:r>
-            <a:r>
-              <a:rPr lang="en-US" altLang="ko-KR" dirty="0" smtClean="0"/>
-              <a:t>Read/Write </a:t>
-            </a:r>
-            <a:r>
-              <a:rPr lang="en-US" altLang="ko-KR" dirty="0" smtClean="0"/>
-              <a:t>test </a:t>
+              <a:t>Random Read/Write test </a:t>
             </a:r>
             <a:r>
               <a:rPr lang="en-US" altLang="ko-KR" sz="1600" dirty="0" smtClean="0"/>
@@ -2943,15 +2935,7 @@
           <a:p>
             <a:r>
               <a:rPr lang="en-US" altLang="ko-KR" dirty="0" smtClean="0"/>
-              <a:t>Sequential </a:t>
-            </a:r>
-            <a:r>
-              <a:rPr lang="en-US" altLang="ko-KR" dirty="0" smtClean="0"/>
-              <a:t>Read/Write </a:t>
-            </a:r>
-            <a:r>
-              <a:rPr lang="en-US" altLang="ko-KR" dirty="0" smtClean="0"/>
-              <a:t>test </a:t>
+              <a:t>Sequential Read/Write test </a:t>
             </a:r>
             <a:r>
               <a:rPr lang="en-US" altLang="ko-KR" sz="1600" dirty="0" smtClean="0"/>
@@ -3361,11 +3345,7 @@
           <a:p>
             <a:r>
               <a:rPr lang="ko-KR" altLang="en-US" dirty="0" smtClean="0"/>
-              <a:t>개선 </a:t>
-            </a:r>
-            <a:r>
-              <a:rPr lang="ko-KR" altLang="en-US" dirty="0" smtClean="0"/>
-              <a:t>사항 </a:t>
+              <a:t>개선 사항 </a:t>
             </a:r>
             <a:r>
               <a:rPr lang="en-US" altLang="ko-KR" dirty="0" smtClean="0"/>
@@ -3419,7 +3399,6 @@
               <a:rPr lang="en-US" altLang="ko-KR" dirty="0" smtClean="0"/>
               <a:t>)</a:t>
             </a:r>
-            <a:endParaRPr lang="en-US" altLang="ko-KR" dirty="0" smtClean="0"/>
           </a:p>
           <a:p>
             <a:endParaRPr lang="en-US" altLang="ko-KR" dirty="0"/>
@@ -6172,7 +6151,7 @@
         </p:nvSpPr>
         <p:spPr>
           <a:xfrm>
-            <a:off x="7164288" y="4322242"/>
+            <a:off x="7164287" y="5527870"/>
             <a:ext cx="1668405" cy="646331"/>
           </a:xfrm>
           <a:prstGeom prst="rect">
@@ -7095,7 +7074,7 @@
         </p:nvSpPr>
         <p:spPr>
           <a:xfrm>
-            <a:off x="7164288" y="4322242"/>
+            <a:off x="7138679" y="5545808"/>
             <a:ext cx="1668405" cy="646331"/>
           </a:xfrm>
           <a:prstGeom prst="rect">
@@ -8175,7 +8154,7 @@
         </p:nvSpPr>
         <p:spPr>
           <a:xfrm>
-            <a:off x="7164288" y="4322242"/>
+            <a:off x="7169702" y="5545808"/>
             <a:ext cx="1668405" cy="646331"/>
           </a:xfrm>
           <a:prstGeom prst="rect">
@@ -9637,7 +9616,7 @@
         </p:nvSpPr>
         <p:spPr>
           <a:xfrm>
-            <a:off x="7164288" y="4322242"/>
+            <a:off x="7164287" y="5545808"/>
             <a:ext cx="1668405" cy="646331"/>
           </a:xfrm>
           <a:prstGeom prst="rect">
@@ -10142,14 +10121,14 @@
           <p:nvPr>
             <p:extLst>
               <p:ext uri="{D42A27DB-BD31-4B8C-83A1-F6EECF244321}">
-                <p14:modId xmlns:p14="http://schemas.microsoft.com/office/powerpoint/2010/main" val="3470214639"/>
+                <p14:modId xmlns:p14="http://schemas.microsoft.com/office/powerpoint/2010/main" val="1220558507"/>
               </p:ext>
             </p:extLst>
           </p:nvPr>
         </p:nvGraphicFramePr>
         <p:xfrm>
           <a:off x="4953168" y="1506233"/>
-          <a:ext cx="3960441" cy="1280160"/>
+          <a:ext cx="3960441" cy="776359"/>
         </p:xfrm>
         <a:graphic>
           <a:graphicData uri="http://schemas.openxmlformats.org/drawingml/2006/table">
@@ -10164,7 +10143,7 @@
                 <a:gridCol w="648073"/>
                 <a:gridCol w="580703"/>
               </a:tblGrid>
-              <a:tr h="914400">
+              <a:tr h="410599">
                 <a:tc>
                   <a:txBody>
                     <a:bodyPr/>
@@ -10963,7 +10942,7 @@
         </p:nvSpPr>
         <p:spPr>
           <a:xfrm>
-            <a:off x="2555776" y="5122060"/>
+            <a:off x="2555776" y="1556792"/>
             <a:ext cx="1668405" cy="646331"/>
           </a:xfrm>
           <a:prstGeom prst="rect">

--- a/docs/발표자료.pptx
+++ b/docs/발표자료.pptx
@@ -5474,7 +5474,7 @@
         <p:spPr>
           <a:xfrm>
             <a:off x="467545" y="1755779"/>
-            <a:ext cx="1402627" cy="2031325"/>
+            <a:ext cx="1402628" cy="1754326"/>
           </a:xfrm>
           <a:prstGeom prst="rect">
             <a:avLst/>
@@ -5497,15 +5497,13 @@
             <a:pPr algn="ctr"/>
             <a:r>
               <a:rPr lang="en-US" altLang="ko-KR" dirty="0" smtClean="0"/>
-              <a:t>&lt;W, 2, 20&gt;</a:t>
-            </a:r>
-          </a:p>
-          <a:p>
-            <a:pPr algn="ctr"/>
-            <a:r>
-              <a:rPr lang="en-US" altLang="ko-KR" dirty="0" smtClean="0"/>
-              <a:t>&lt;R, 3, 10&gt;</a:t>
-            </a:r>
+              <a:t>&lt;W, 2, 20</a:t>
+            </a:r>
+            <a:r>
+              <a:rPr lang="en-US" altLang="ko-KR" dirty="0" smtClean="0"/>
+              <a:t>&gt;</a:t>
+            </a:r>
+            <a:endParaRPr lang="en-US" altLang="ko-KR" dirty="0" smtClean="0"/>
           </a:p>
           <a:p>
             <a:pPr algn="ctr"/>
@@ -6562,7 +6560,7 @@
         <p:spPr>
           <a:xfrm>
             <a:off x="467545" y="1755779"/>
-            <a:ext cx="1402627" cy="2031325"/>
+            <a:ext cx="1402628" cy="1754326"/>
           </a:xfrm>
           <a:prstGeom prst="rect">
             <a:avLst/>
@@ -6592,14 +6590,11 @@
             <a:pPr algn="ctr"/>
             <a:r>
               <a:rPr lang="en-US" altLang="ko-KR" dirty="0" smtClean="0"/>
-              <a:t>&lt;R, 3, 10&gt;</a:t>
-            </a:r>
-          </a:p>
-          <a:p>
-            <a:pPr algn="ctr"/>
-            <a:r>
-              <a:rPr lang="en-US" altLang="ko-KR" dirty="0" smtClean="0"/>
-              <a:t>&lt;W, 100, 20&gt;</a:t>
+              <a:t>&lt;</a:t>
+            </a:r>
+            <a:r>
+              <a:rPr lang="en-US" altLang="ko-KR" dirty="0" smtClean="0"/>
+              <a:t>W, 100, 20&gt;</a:t>
             </a:r>
           </a:p>
           <a:p>

--- a/docs/발표자료.pptx
+++ b/docs/발표자료.pptx
@@ -211,7 +211,7 @@
           <a:p>
             <a:fld id="{F3A6DB16-28FB-4CEA-9094-E65028644022}" type="datetimeFigureOut">
               <a:rPr lang="ko-KR" altLang="en-US" smtClean="0"/>
-              <a:t>2012-01-26</a:t>
+              <a:t>2012-01-30</a:t>
             </a:fld>
             <a:endParaRPr lang="ko-KR" altLang="en-US"/>
           </a:p>
@@ -377,7 +377,7 @@
           <a:p>
             <a:fld id="{4A91D267-B320-4105-AF60-E700C4D7049B}" type="datetimeFigureOut">
               <a:rPr lang="ko-KR" altLang="en-US" smtClean="0"/>
-              <a:t>2012-01-26</a:t>
+              <a:t>2012-01-30</a:t>
             </a:fld>
             <a:endParaRPr lang="ko-KR" altLang="en-US"/>
           </a:p>
@@ -4186,14 +4186,14 @@
             <p:ph idx="1"/>
             <p:extLst>
               <p:ext uri="{D42A27DB-BD31-4B8C-83A1-F6EECF244321}">
-                <p14:modId xmlns:p14="http://schemas.microsoft.com/office/powerpoint/2010/main" val="1282618886"/>
+                <p14:modId xmlns:p14="http://schemas.microsoft.com/office/powerpoint/2010/main" val="3704529184"/>
               </p:ext>
             </p:extLst>
           </p:nvPr>
         </p:nvGraphicFramePr>
         <p:xfrm>
           <a:off x="7092282" y="1444923"/>
-          <a:ext cx="1799558" cy="2595880"/>
+          <a:ext cx="1799558" cy="2560320"/>
         </p:xfrm>
         <a:graphic>
           <a:graphicData uri="http://schemas.openxmlformats.org/drawingml/2006/table">
@@ -4205,7 +4205,7 @@
                 <a:gridCol w="899779"/>
                 <a:gridCol w="899779"/>
               </a:tblGrid>
-              <a:tr h="370840">
+              <a:tr h="0">
                 <a:tc>
                   <a:txBody>
                     <a:bodyPr/>
@@ -4245,7 +4245,7 @@
                   </a:tcPr>
                 </a:tc>
               </a:tr>
-              <a:tr h="370840">
+              <a:tr h="0">
                 <a:tc>
                   <a:txBody>
                     <a:bodyPr/>
@@ -4269,7 +4269,7 @@
                   <a:tcPr/>
                 </a:tc>
               </a:tr>
-              <a:tr h="370840">
+              <a:tr h="0">
                 <a:tc>
                   <a:txBody>
                     <a:bodyPr/>
@@ -4293,7 +4293,7 @@
                   <a:tcPr/>
                 </a:tc>
               </a:tr>
-              <a:tr h="370840">
+              <a:tr h="0">
                 <a:tc>
                   <a:txBody>
                     <a:bodyPr/>
@@ -4317,7 +4317,7 @@
                   <a:tcPr/>
                 </a:tc>
               </a:tr>
-              <a:tr h="370840">
+              <a:tr h="0">
                 <a:tc>
                   <a:txBody>
                     <a:bodyPr/>
@@ -4341,7 +4341,7 @@
                   <a:tcPr/>
                 </a:tc>
               </a:tr>
-              <a:tr h="370840">
+              <a:tr h="0">
                 <a:tc>
                   <a:txBody>
                     <a:bodyPr/>
@@ -4365,7 +4365,7 @@
                   <a:tcPr/>
                 </a:tc>
               </a:tr>
-              <a:tr h="370840">
+              <a:tr h="0">
                 <a:tc>
                   <a:txBody>
                     <a:bodyPr/>
@@ -5199,14 +5199,14 @@
             <p:ph idx="1"/>
             <p:extLst>
               <p:ext uri="{D42A27DB-BD31-4B8C-83A1-F6EECF244321}">
-                <p14:modId xmlns:p14="http://schemas.microsoft.com/office/powerpoint/2010/main" val="2235361297"/>
+                <p14:modId xmlns:p14="http://schemas.microsoft.com/office/powerpoint/2010/main" val="1892696463"/>
               </p:ext>
             </p:extLst>
           </p:nvPr>
         </p:nvGraphicFramePr>
         <p:xfrm>
-          <a:off x="7092282" y="1444924"/>
-          <a:ext cx="1799558" cy="3942080"/>
+          <a:off x="7092282" y="1444925"/>
+          <a:ext cx="1799558" cy="2560320"/>
         </p:xfrm>
         <a:graphic>
           <a:graphicData uri="http://schemas.openxmlformats.org/drawingml/2006/table">
@@ -5218,7 +5218,7 @@
                 <a:gridCol w="899779"/>
                 <a:gridCol w="899779"/>
               </a:tblGrid>
-              <a:tr h="370840">
+              <a:tr h="149143">
                 <a:tc>
                   <a:txBody>
                     <a:bodyPr/>
@@ -5258,7 +5258,7 @@
                   </a:tcPr>
                 </a:tc>
               </a:tr>
-              <a:tr h="640080">
+              <a:tr h="168713">
                 <a:tc>
                   <a:txBody>
                     <a:bodyPr/>
@@ -5290,7 +5290,7 @@
                   <a:tcPr/>
                 </a:tc>
               </a:tr>
-              <a:tr h="640080">
+              <a:tr h="168713">
                 <a:tc>
                   <a:txBody>
                     <a:bodyPr/>
@@ -5322,7 +5322,7 @@
                   <a:tcPr/>
                 </a:tc>
               </a:tr>
-              <a:tr h="370840">
+              <a:tr h="149143">
                 <a:tc gridSpan="2">
                   <a:txBody>
                     <a:bodyPr/>
@@ -5365,7 +5365,7 @@
                   <a:tcPr/>
                 </a:tc>
               </a:tr>
-              <a:tr h="640080">
+              <a:tr h="168713">
                 <a:tc>
                   <a:txBody>
                     <a:bodyPr/>
@@ -5397,7 +5397,7 @@
                   <a:tcPr/>
                 </a:tc>
               </a:tr>
-              <a:tr h="640080">
+              <a:tr h="168713">
                 <a:tc>
                   <a:txBody>
                     <a:bodyPr/>
@@ -5429,7 +5429,7 @@
                   <a:tcPr/>
                 </a:tc>
               </a:tr>
-              <a:tr h="640080">
+              <a:tr h="168713">
                 <a:tc>
                   <a:txBody>
                     <a:bodyPr/>
@@ -5497,13 +5497,8 @@
             <a:pPr algn="ctr"/>
             <a:r>
               <a:rPr lang="en-US" altLang="ko-KR" dirty="0" smtClean="0"/>
-              <a:t>&lt;W, 2, 20</a:t>
-            </a:r>
-            <a:r>
-              <a:rPr lang="en-US" altLang="ko-KR" dirty="0" smtClean="0"/>
-              <a:t>&gt;</a:t>
-            </a:r>
-            <a:endParaRPr lang="en-US" altLang="ko-KR" dirty="0" smtClean="0"/>
+              <a:t>&lt;W, 2, 20&gt;</a:t>
+            </a:r>
           </a:p>
           <a:p>
             <a:pPr algn="ctr"/>
@@ -6143,44 +6138,6 @@
       </p:sp>
       <p:sp>
         <p:nvSpPr>
-          <p:cNvPr id="17" name="TextBox 16"/>
-          <p:cNvSpPr txBox="1"/>
-          <p:nvPr/>
-        </p:nvSpPr>
-        <p:spPr>
-          <a:xfrm>
-            <a:off x="7164287" y="5527870"/>
-            <a:ext cx="1668405" cy="646331"/>
-          </a:xfrm>
-          <a:prstGeom prst="rect">
-            <a:avLst/>
-          </a:prstGeom>
-          <a:noFill/>
-        </p:spPr>
-        <p:txBody>
-          <a:bodyPr wrap="none" rtlCol="0">
-            <a:spAutoFit/>
-          </a:bodyPr>
-          <a:lstStyle/>
-          <a:p>
-            <a:pPr algn="ctr"/>
-            <a:r>
-              <a:rPr lang="en-US" altLang="ko-KR" dirty="0" smtClean="0"/>
-              <a:t>Sector Mapping</a:t>
-            </a:r>
-          </a:p>
-          <a:p>
-            <a:pPr algn="ctr"/>
-            <a:r>
-              <a:rPr lang="en-US" altLang="ko-KR" dirty="0" smtClean="0"/>
-              <a:t>Table</a:t>
-            </a:r>
-            <a:endParaRPr lang="ko-KR" altLang="en-US" dirty="0"/>
-          </a:p>
-        </p:txBody>
-      </p:sp>
-      <p:sp>
-        <p:nvSpPr>
           <p:cNvPr id="18" name="TextBox 17"/>
           <p:cNvSpPr txBox="1"/>
           <p:nvPr/>
@@ -6204,6 +6161,44 @@
             <a:r>
               <a:rPr lang="en-US" altLang="ko-KR" dirty="0" smtClean="0"/>
               <a:t>Merge Buffer</a:t>
+            </a:r>
+            <a:endParaRPr lang="ko-KR" altLang="en-US" dirty="0"/>
+          </a:p>
+        </p:txBody>
+      </p:sp>
+      <p:sp>
+        <p:nvSpPr>
+          <p:cNvPr id="19" name="TextBox 18"/>
+          <p:cNvSpPr txBox="1"/>
+          <p:nvPr/>
+        </p:nvSpPr>
+        <p:spPr>
+          <a:xfrm>
+            <a:off x="7164288" y="4322242"/>
+            <a:ext cx="1668405" cy="646331"/>
+          </a:xfrm>
+          <a:prstGeom prst="rect">
+            <a:avLst/>
+          </a:prstGeom>
+          <a:noFill/>
+        </p:spPr>
+        <p:txBody>
+          <a:bodyPr wrap="none" rtlCol="0">
+            <a:spAutoFit/>
+          </a:bodyPr>
+          <a:lstStyle/>
+          <a:p>
+            <a:pPr algn="ctr"/>
+            <a:r>
+              <a:rPr lang="en-US" altLang="ko-KR" dirty="0" smtClean="0"/>
+              <a:t>Sector Mapping</a:t>
+            </a:r>
+          </a:p>
+          <a:p>
+            <a:pPr algn="ctr"/>
+            <a:r>
+              <a:rPr lang="en-US" altLang="ko-KR" dirty="0" smtClean="0"/>
+              <a:t>Table</a:t>
             </a:r>
             <a:endParaRPr lang="ko-KR" altLang="en-US" dirty="0"/>
           </a:p>
@@ -6285,14 +6280,14 @@
             <p:ph idx="1"/>
             <p:extLst>
               <p:ext uri="{D42A27DB-BD31-4B8C-83A1-F6EECF244321}">
-                <p14:modId xmlns:p14="http://schemas.microsoft.com/office/powerpoint/2010/main" val="1936487964"/>
+                <p14:modId xmlns:p14="http://schemas.microsoft.com/office/powerpoint/2010/main" val="4122347568"/>
               </p:ext>
             </p:extLst>
           </p:nvPr>
         </p:nvGraphicFramePr>
         <p:xfrm>
-          <a:off x="7092282" y="1444924"/>
-          <a:ext cx="1799558" cy="3942080"/>
+          <a:off x="7092282" y="1444925"/>
+          <a:ext cx="1799558" cy="2560320"/>
         </p:xfrm>
         <a:graphic>
           <a:graphicData uri="http://schemas.openxmlformats.org/drawingml/2006/table">
@@ -6304,7 +6299,7 @@
                 <a:gridCol w="899779"/>
                 <a:gridCol w="899779"/>
               </a:tblGrid>
-              <a:tr h="370840">
+              <a:tr h="273152">
                 <a:tc>
                   <a:txBody>
                     <a:bodyPr/>
@@ -6344,7 +6339,7 @@
                   </a:tcPr>
                 </a:tc>
               </a:tr>
-              <a:tr h="640080">
+              <a:tr h="273152">
                 <a:tc>
                   <a:txBody>
                     <a:bodyPr/>
@@ -6376,7 +6371,7 @@
                   <a:tcPr/>
                 </a:tc>
               </a:tr>
-              <a:tr h="640080">
+              <a:tr h="273152">
                 <a:tc>
                   <a:txBody>
                     <a:bodyPr/>
@@ -6408,7 +6403,7 @@
                   <a:tcPr/>
                 </a:tc>
               </a:tr>
-              <a:tr h="370840">
+              <a:tr h="273152">
                 <a:tc gridSpan="2">
                   <a:txBody>
                     <a:bodyPr/>
@@ -6451,7 +6446,7 @@
                   <a:tcPr/>
                 </a:tc>
               </a:tr>
-              <a:tr h="640080">
+              <a:tr h="273152">
                 <a:tc>
                   <a:txBody>
                     <a:bodyPr/>
@@ -6483,7 +6478,7 @@
                   <a:tcPr/>
                 </a:tc>
               </a:tr>
-              <a:tr h="640080">
+              <a:tr h="273152">
                 <a:tc>
                   <a:txBody>
                     <a:bodyPr/>
@@ -6515,7 +6510,7 @@
                   <a:tcPr/>
                 </a:tc>
               </a:tr>
-              <a:tr h="640080">
+              <a:tr h="273152">
                 <a:tc>
                   <a:txBody>
                     <a:bodyPr/>
@@ -6590,11 +6585,7 @@
             <a:pPr algn="ctr"/>
             <a:r>
               <a:rPr lang="en-US" altLang="ko-KR" dirty="0" smtClean="0"/>
-              <a:t>&lt;</a:t>
-            </a:r>
-            <a:r>
-              <a:rPr lang="en-US" altLang="ko-KR" dirty="0" smtClean="0"/>
-              <a:t>W, 100, 20&gt;</a:t>
+              <a:t>&lt;W, 100, 20&gt;</a:t>
             </a:r>
           </a:p>
           <a:p>
@@ -7063,44 +7054,6 @@
       </p:sp>
       <p:sp>
         <p:nvSpPr>
-          <p:cNvPr id="17" name="TextBox 16"/>
-          <p:cNvSpPr txBox="1"/>
-          <p:nvPr/>
-        </p:nvSpPr>
-        <p:spPr>
-          <a:xfrm>
-            <a:off x="7138679" y="5545808"/>
-            <a:ext cx="1668405" cy="646331"/>
-          </a:xfrm>
-          <a:prstGeom prst="rect">
-            <a:avLst/>
-          </a:prstGeom>
-          <a:noFill/>
-        </p:spPr>
-        <p:txBody>
-          <a:bodyPr wrap="none" rtlCol="0">
-            <a:spAutoFit/>
-          </a:bodyPr>
-          <a:lstStyle/>
-          <a:p>
-            <a:pPr algn="ctr"/>
-            <a:r>
-              <a:rPr lang="en-US" altLang="ko-KR" dirty="0" smtClean="0"/>
-              <a:t>Sector Mapping</a:t>
-            </a:r>
-          </a:p>
-          <a:p>
-            <a:pPr algn="ctr"/>
-            <a:r>
-              <a:rPr lang="en-US" altLang="ko-KR" dirty="0" smtClean="0"/>
-              <a:t>Table</a:t>
-            </a:r>
-            <a:endParaRPr lang="ko-KR" altLang="en-US" dirty="0"/>
-          </a:p>
-        </p:txBody>
-      </p:sp>
-      <p:sp>
-        <p:nvSpPr>
           <p:cNvPr id="18" name="TextBox 17"/>
           <p:cNvSpPr txBox="1"/>
           <p:nvPr/>
@@ -7294,6 +7247,44 @@
           </a:graphicData>
         </a:graphic>
       </p:graphicFrame>
+      <p:sp>
+        <p:nvSpPr>
+          <p:cNvPr id="20" name="TextBox 19"/>
+          <p:cNvSpPr txBox="1"/>
+          <p:nvPr/>
+        </p:nvSpPr>
+        <p:spPr>
+          <a:xfrm>
+            <a:off x="7164288" y="4322242"/>
+            <a:ext cx="1668405" cy="646331"/>
+          </a:xfrm>
+          <a:prstGeom prst="rect">
+            <a:avLst/>
+          </a:prstGeom>
+          <a:noFill/>
+        </p:spPr>
+        <p:txBody>
+          <a:bodyPr wrap="none" rtlCol="0">
+            <a:spAutoFit/>
+          </a:bodyPr>
+          <a:lstStyle/>
+          <a:p>
+            <a:pPr algn="ctr"/>
+            <a:r>
+              <a:rPr lang="en-US" altLang="ko-KR" dirty="0" smtClean="0"/>
+              <a:t>Sector Mapping</a:t>
+            </a:r>
+          </a:p>
+          <a:p>
+            <a:pPr algn="ctr"/>
+            <a:r>
+              <a:rPr lang="en-US" altLang="ko-KR" dirty="0" smtClean="0"/>
+              <a:t>Table</a:t>
+            </a:r>
+            <a:endParaRPr lang="ko-KR" altLang="en-US" dirty="0"/>
+          </a:p>
+        </p:txBody>
+      </p:sp>
     </p:spTree>
     <p:extLst>
       <p:ext uri="{BB962C8B-B14F-4D97-AF65-F5344CB8AC3E}">
@@ -7370,14 +7361,14 @@
             <p:ph idx="1"/>
             <p:extLst>
               <p:ext uri="{D42A27DB-BD31-4B8C-83A1-F6EECF244321}">
-                <p14:modId xmlns:p14="http://schemas.microsoft.com/office/powerpoint/2010/main" val="2526711665"/>
+                <p14:modId xmlns:p14="http://schemas.microsoft.com/office/powerpoint/2010/main" val="4048225252"/>
               </p:ext>
             </p:extLst>
           </p:nvPr>
         </p:nvGraphicFramePr>
         <p:xfrm>
           <a:off x="7092282" y="1444924"/>
-          <a:ext cx="1799558" cy="3942080"/>
+          <a:ext cx="1799558" cy="2560320"/>
         </p:xfrm>
         <a:graphic>
           <a:graphicData uri="http://schemas.openxmlformats.org/drawingml/2006/table">
@@ -7389,7 +7380,7 @@
                 <a:gridCol w="899779"/>
                 <a:gridCol w="899779"/>
               </a:tblGrid>
-              <a:tr h="370840">
+              <a:tr h="0">
                 <a:tc>
                   <a:txBody>
                     <a:bodyPr/>
@@ -7429,7 +7420,7 @@
                   </a:tcPr>
                 </a:tc>
               </a:tr>
-              <a:tr h="640080">
+              <a:tr h="0">
                 <a:tc>
                   <a:txBody>
                     <a:bodyPr/>
@@ -7461,7 +7452,7 @@
                   <a:tcPr/>
                 </a:tc>
               </a:tr>
-              <a:tr h="640080">
+              <a:tr h="0">
                 <a:tc>
                   <a:txBody>
                     <a:bodyPr/>
@@ -7493,7 +7484,7 @@
                   <a:tcPr/>
                 </a:tc>
               </a:tr>
-              <a:tr h="370840">
+              <a:tr h="0">
                 <a:tc gridSpan="2">
                   <a:txBody>
                     <a:bodyPr/>
@@ -7536,7 +7527,7 @@
                   <a:tcPr/>
                 </a:tc>
               </a:tr>
-              <a:tr h="640080">
+              <a:tr h="0">
                 <a:tc>
                   <a:txBody>
                     <a:bodyPr/>
@@ -7568,7 +7559,7 @@
                   <a:tcPr/>
                 </a:tc>
               </a:tr>
-              <a:tr h="640080">
+              <a:tr h="0">
                 <a:tc>
                   <a:txBody>
                     <a:bodyPr/>
@@ -7600,7 +7591,7 @@
                   <a:tcPr/>
                 </a:tc>
               </a:tr>
-              <a:tr h="640080">
+              <a:tr h="0">
                 <a:tc>
                   <a:txBody>
                     <a:bodyPr/>
@@ -8143,44 +8134,6 @@
       </p:sp>
       <p:sp>
         <p:nvSpPr>
-          <p:cNvPr id="17" name="TextBox 16"/>
-          <p:cNvSpPr txBox="1"/>
-          <p:nvPr/>
-        </p:nvSpPr>
-        <p:spPr>
-          <a:xfrm>
-            <a:off x="7169702" y="5545808"/>
-            <a:ext cx="1668405" cy="646331"/>
-          </a:xfrm>
-          <a:prstGeom prst="rect">
-            <a:avLst/>
-          </a:prstGeom>
-          <a:noFill/>
-        </p:spPr>
-        <p:txBody>
-          <a:bodyPr wrap="none" rtlCol="0">
-            <a:spAutoFit/>
-          </a:bodyPr>
-          <a:lstStyle/>
-          <a:p>
-            <a:pPr algn="ctr"/>
-            <a:r>
-              <a:rPr lang="en-US" altLang="ko-KR" dirty="0" smtClean="0"/>
-              <a:t>Sector Mapping</a:t>
-            </a:r>
-          </a:p>
-          <a:p>
-            <a:pPr algn="ctr"/>
-            <a:r>
-              <a:rPr lang="en-US" altLang="ko-KR" dirty="0" smtClean="0"/>
-              <a:t>Table</a:t>
-            </a:r>
-            <a:endParaRPr lang="ko-KR" altLang="en-US" dirty="0"/>
-          </a:p>
-        </p:txBody>
-      </p:sp>
-      <p:sp>
-        <p:nvSpPr>
           <p:cNvPr id="18" name="TextBox 17"/>
           <p:cNvSpPr txBox="1"/>
           <p:nvPr/>
@@ -8382,6 +8335,44 @@
           </a:graphicData>
         </a:graphic>
       </p:graphicFrame>
+      <p:sp>
+        <p:nvSpPr>
+          <p:cNvPr id="20" name="TextBox 19"/>
+          <p:cNvSpPr txBox="1"/>
+          <p:nvPr/>
+        </p:nvSpPr>
+        <p:spPr>
+          <a:xfrm>
+            <a:off x="7164288" y="4322242"/>
+            <a:ext cx="1668405" cy="646331"/>
+          </a:xfrm>
+          <a:prstGeom prst="rect">
+            <a:avLst/>
+          </a:prstGeom>
+          <a:noFill/>
+        </p:spPr>
+        <p:txBody>
+          <a:bodyPr wrap="none" rtlCol="0">
+            <a:spAutoFit/>
+          </a:bodyPr>
+          <a:lstStyle/>
+          <a:p>
+            <a:pPr algn="ctr"/>
+            <a:r>
+              <a:rPr lang="en-US" altLang="ko-KR" dirty="0" smtClean="0"/>
+              <a:t>Sector Mapping</a:t>
+            </a:r>
+          </a:p>
+          <a:p>
+            <a:pPr algn="ctr"/>
+            <a:r>
+              <a:rPr lang="en-US" altLang="ko-KR" dirty="0" smtClean="0"/>
+              <a:t>Table</a:t>
+            </a:r>
+            <a:endParaRPr lang="ko-KR" altLang="en-US" dirty="0"/>
+          </a:p>
+        </p:txBody>
+      </p:sp>
     </p:spTree>
     <p:extLst>
       <p:ext uri="{BB962C8B-B14F-4D97-AF65-F5344CB8AC3E}">
@@ -8458,14 +8449,14 @@
             <p:ph idx="1"/>
             <p:extLst>
               <p:ext uri="{D42A27DB-BD31-4B8C-83A1-F6EECF244321}">
-                <p14:modId xmlns:p14="http://schemas.microsoft.com/office/powerpoint/2010/main" val="4122349508"/>
+                <p14:modId xmlns:p14="http://schemas.microsoft.com/office/powerpoint/2010/main" val="561175391"/>
               </p:ext>
             </p:extLst>
           </p:nvPr>
         </p:nvGraphicFramePr>
         <p:xfrm>
           <a:off x="7092282" y="1444924"/>
-          <a:ext cx="1799558" cy="3942080"/>
+          <a:ext cx="1799558" cy="2560320"/>
         </p:xfrm>
         <a:graphic>
           <a:graphicData uri="http://schemas.openxmlformats.org/drawingml/2006/table">
@@ -8477,7 +8468,7 @@
                 <a:gridCol w="899779"/>
                 <a:gridCol w="899779"/>
               </a:tblGrid>
-              <a:tr h="370840">
+              <a:tr h="0">
                 <a:tc>
                   <a:txBody>
                     <a:bodyPr/>
@@ -8517,7 +8508,7 @@
                   </a:tcPr>
                 </a:tc>
               </a:tr>
-              <a:tr h="640080">
+              <a:tr h="142321">
                 <a:tc>
                   <a:txBody>
                     <a:bodyPr/>
@@ -8549,7 +8540,7 @@
                   <a:tcPr/>
                 </a:tc>
               </a:tr>
-              <a:tr h="640080">
+              <a:tr h="142321">
                 <a:tc>
                   <a:txBody>
                     <a:bodyPr/>
@@ -8581,7 +8572,7 @@
                   <a:tcPr/>
                 </a:tc>
               </a:tr>
-              <a:tr h="370840">
+              <a:tr h="0">
                 <a:tc gridSpan="2">
                   <a:txBody>
                     <a:bodyPr/>
@@ -8624,7 +8615,7 @@
                   <a:tcPr/>
                 </a:tc>
               </a:tr>
-              <a:tr h="640080">
+              <a:tr h="142321">
                 <a:tc>
                   <a:txBody>
                     <a:bodyPr/>
@@ -8656,7 +8647,7 @@
                   <a:tcPr/>
                 </a:tc>
               </a:tr>
-              <a:tr h="640080">
+              <a:tr h="142321">
                 <a:tc>
                   <a:txBody>
                     <a:bodyPr/>
@@ -8688,7 +8679,7 @@
                   <a:tcPr/>
                 </a:tc>
               </a:tr>
-              <a:tr h="640080">
+              <a:tr h="142321">
                 <a:tc>
                   <a:txBody>
                     <a:bodyPr/>
@@ -9605,44 +9596,6 @@
       </p:sp>
       <p:sp>
         <p:nvSpPr>
-          <p:cNvPr id="7" name="TextBox 6"/>
-          <p:cNvSpPr txBox="1"/>
-          <p:nvPr/>
-        </p:nvSpPr>
-        <p:spPr>
-          <a:xfrm>
-            <a:off x="7164287" y="5545808"/>
-            <a:ext cx="1668405" cy="646331"/>
-          </a:xfrm>
-          <a:prstGeom prst="rect">
-            <a:avLst/>
-          </a:prstGeom>
-          <a:noFill/>
-        </p:spPr>
-        <p:txBody>
-          <a:bodyPr wrap="none" rtlCol="0">
-            <a:spAutoFit/>
-          </a:bodyPr>
-          <a:lstStyle/>
-          <a:p>
-            <a:pPr algn="ctr"/>
-            <a:r>
-              <a:rPr lang="en-US" altLang="ko-KR" dirty="0" smtClean="0"/>
-              <a:t>Sector Mapping</a:t>
-            </a:r>
-          </a:p>
-          <a:p>
-            <a:pPr algn="ctr"/>
-            <a:r>
-              <a:rPr lang="en-US" altLang="ko-KR" dirty="0" smtClean="0"/>
-              <a:t>Table</a:t>
-            </a:r>
-            <a:endParaRPr lang="ko-KR" altLang="en-US" dirty="0"/>
-          </a:p>
-        </p:txBody>
-      </p:sp>
-      <p:sp>
-        <p:nvSpPr>
           <p:cNvPr id="11" name="TextBox 10"/>
           <p:cNvSpPr txBox="1"/>
           <p:nvPr/>
@@ -9666,6 +9619,44 @@
             <a:r>
               <a:rPr lang="en-US" altLang="ko-KR" dirty="0" smtClean="0"/>
               <a:t>Merge Buffer</a:t>
+            </a:r>
+            <a:endParaRPr lang="ko-KR" altLang="en-US" dirty="0"/>
+          </a:p>
+        </p:txBody>
+      </p:sp>
+      <p:sp>
+        <p:nvSpPr>
+          <p:cNvPr id="17" name="TextBox 16"/>
+          <p:cNvSpPr txBox="1"/>
+          <p:nvPr/>
+        </p:nvSpPr>
+        <p:spPr>
+          <a:xfrm>
+            <a:off x="7164288" y="4322242"/>
+            <a:ext cx="1668405" cy="646331"/>
+          </a:xfrm>
+          <a:prstGeom prst="rect">
+            <a:avLst/>
+          </a:prstGeom>
+          <a:noFill/>
+        </p:spPr>
+        <p:txBody>
+          <a:bodyPr wrap="none" rtlCol="0">
+            <a:spAutoFit/>
+          </a:bodyPr>
+          <a:lstStyle/>
+          <a:p>
+            <a:pPr algn="ctr"/>
+            <a:r>
+              <a:rPr lang="en-US" altLang="ko-KR" dirty="0" smtClean="0"/>
+              <a:t>Sector Mapping</a:t>
+            </a:r>
+          </a:p>
+          <a:p>
+            <a:pPr algn="ctr"/>
+            <a:r>
+              <a:rPr lang="en-US" altLang="ko-KR" dirty="0" smtClean="0"/>
+              <a:t>Table</a:t>
             </a:r>
             <a:endParaRPr lang="ko-KR" altLang="en-US" dirty="0"/>
           </a:p>
@@ -9769,14 +9760,14 @@
           <p:nvPr>
             <p:extLst>
               <p:ext uri="{D42A27DB-BD31-4B8C-83A1-F6EECF244321}">
-                <p14:modId xmlns:p14="http://schemas.microsoft.com/office/powerpoint/2010/main" val="2985818329"/>
+                <p14:modId xmlns:p14="http://schemas.microsoft.com/office/powerpoint/2010/main" val="297774799"/>
               </p:ext>
             </p:extLst>
           </p:nvPr>
         </p:nvGraphicFramePr>
         <p:xfrm>
           <a:off x="2483770" y="2345146"/>
-          <a:ext cx="1799558" cy="3942080"/>
+          <a:ext cx="1799558" cy="2560320"/>
         </p:xfrm>
         <a:graphic>
           <a:graphicData uri="http://schemas.openxmlformats.org/drawingml/2006/table">
@@ -9788,7 +9779,7 @@
                 <a:gridCol w="899779"/>
                 <a:gridCol w="899779"/>
               </a:tblGrid>
-              <a:tr h="370840">
+              <a:tr h="0">
                 <a:tc>
                   <a:txBody>
                     <a:bodyPr/>
@@ -9828,7 +9819,7 @@
                   </a:tcPr>
                 </a:tc>
               </a:tr>
-              <a:tr h="640080">
+              <a:tr h="146512">
                 <a:tc>
                   <a:txBody>
                     <a:bodyPr/>
@@ -9860,7 +9851,7 @@
                   <a:tcPr/>
                 </a:tc>
               </a:tr>
-              <a:tr h="640080">
+              <a:tr h="146512">
                 <a:tc>
                   <a:txBody>
                     <a:bodyPr/>
@@ -9892,7 +9883,7 @@
                   <a:tcPr/>
                 </a:tc>
               </a:tr>
-              <a:tr h="370840">
+              <a:tr h="0">
                 <a:tc gridSpan="2">
                   <a:txBody>
                     <a:bodyPr/>
@@ -9935,7 +9926,7 @@
                   <a:tcPr/>
                 </a:tc>
               </a:tr>
-              <a:tr h="640080">
+              <a:tr h="146512">
                 <a:tc>
                   <a:txBody>
                     <a:bodyPr/>
@@ -9967,7 +9958,7 @@
                   <a:tcPr/>
                 </a:tc>
               </a:tr>
-              <a:tr h="640080">
+              <a:tr h="146512">
                 <a:tc>
                   <a:txBody>
                     <a:bodyPr/>
@@ -9999,7 +9990,7 @@
                   <a:tcPr/>
                 </a:tc>
               </a:tr>
-              <a:tr h="640080">
+              <a:tr h="146512">
                 <a:tc>
                   <a:txBody>
                     <a:bodyPr/>
@@ -10563,7 +10554,7 @@
           <p:nvPr/>
         </p:nvSpPr>
         <p:spPr>
-          <a:xfrm rot="-2700000">
+          <a:xfrm rot="8100000">
             <a:off x="4602949" y="2697922"/>
             <a:ext cx="360040" cy="288032"/>
           </a:xfrm>
@@ -10611,7 +10602,7 @@
           <p:nvPr/>
         </p:nvSpPr>
         <p:spPr>
-          <a:xfrm rot="2700000">
+          <a:xfrm rot="13500000">
             <a:off x="4594900" y="4334130"/>
             <a:ext cx="360040" cy="288032"/>
           </a:xfrm>

--- a/docs/발표자료.pptx
+++ b/docs/발표자료.pptx
@@ -211,7 +211,7 @@
           <a:p>
             <a:fld id="{F3A6DB16-28FB-4CEA-9094-E65028644022}" type="datetimeFigureOut">
               <a:rPr lang="ko-KR" altLang="en-US" smtClean="0"/>
-              <a:t>2012-01-30</a:t>
+              <a:t>2012-01-31</a:t>
             </a:fld>
             <a:endParaRPr lang="ko-KR" altLang="en-US"/>
           </a:p>
@@ -377,7 +377,7 @@
           <a:p>
             <a:fld id="{4A91D267-B320-4105-AF60-E700C4D7049B}" type="datetimeFigureOut">
               <a:rPr lang="ko-KR" altLang="en-US" smtClean="0"/>
-              <a:t>2012-01-30</a:t>
+              <a:t>2012-01-31</a:t>
             </a:fld>
             <a:endParaRPr lang="ko-KR" altLang="en-US"/>
           </a:p>
@@ -2800,7 +2800,29 @@
             <a:pPr lvl="1"/>
             <a:r>
               <a:rPr lang="en-US" altLang="ko-KR" dirty="0" smtClean="0"/>
-              <a:t>Dynamic Sector mapping</a:t>
+              <a:t>Dynamic Sector </a:t>
+            </a:r>
+            <a:r>
+              <a:rPr lang="en-US" altLang="ko-KR" dirty="0" smtClean="0"/>
+              <a:t>mapping</a:t>
+            </a:r>
+          </a:p>
+          <a:p>
+            <a:pPr lvl="1"/>
+            <a:r>
+              <a:rPr lang="en-US" altLang="ko-KR" dirty="0" smtClean="0"/>
+              <a:t>1 buffer Sector mapping</a:t>
+            </a:r>
+          </a:p>
+          <a:p>
+            <a:pPr lvl="1"/>
+            <a:r>
+              <a:rPr lang="en-US" altLang="ko-KR" dirty="0" smtClean="0"/>
+              <a:t>Multi copy </a:t>
+            </a:r>
+            <a:r>
+              <a:rPr lang="en-US" altLang="ko-KR" smtClean="0"/>
+              <a:t>Sector mapping</a:t>
             </a:r>
             <a:endParaRPr lang="ko-KR" altLang="en-US" dirty="0"/>
           </a:p>
@@ -2916,11 +2938,31 @@
           <a:p>
             <a:r>
               <a:rPr lang="en-US" altLang="ko-KR" dirty="0" smtClean="0"/>
-              <a:t>Random Read/Write test </a:t>
+              <a:t>Random </a:t>
+            </a:r>
+            <a:r>
+              <a:rPr lang="en-US" altLang="ko-KR" dirty="0" smtClean="0"/>
+              <a:t>Write </a:t>
+            </a:r>
+            <a:r>
+              <a:rPr lang="en-US" altLang="ko-KR" dirty="0" smtClean="0"/>
+              <a:t>test </a:t>
             </a:r>
             <a:r>
               <a:rPr lang="en-US" altLang="ko-KR" sz="1600" dirty="0" smtClean="0"/>
-              <a:t>( Average of three tests )</a:t>
+              <a:t>( Average of </a:t>
+            </a:r>
+            <a:r>
+              <a:rPr lang="en-US" altLang="ko-KR" sz="1600" dirty="0" smtClean="0"/>
+              <a:t>four </a:t>
+            </a:r>
+            <a:r>
+              <a:rPr lang="en-US" altLang="ko-KR" sz="1600" dirty="0" smtClean="0"/>
+              <a:t>tests </a:t>
+            </a:r>
+            <a:r>
+              <a:rPr lang="en-US" altLang="ko-KR" sz="1600" dirty="0" smtClean="0"/>
+              <a:t>)</a:t>
             </a:r>
           </a:p>
           <a:p>
@@ -2939,7 +2981,19 @@
             </a:r>
             <a:r>
               <a:rPr lang="en-US" altLang="ko-KR" sz="1600" dirty="0" smtClean="0"/>
-              <a:t>( Average of three tests )</a:t>
+              <a:t>( Average of </a:t>
+            </a:r>
+            <a:r>
+              <a:rPr lang="en-US" altLang="ko-KR" sz="1600" dirty="0" smtClean="0"/>
+              <a:t>four</a:t>
+            </a:r>
+            <a:r>
+              <a:rPr lang="en-US" altLang="ko-KR" sz="1600" dirty="0" smtClean="0"/>
+              <a:t> </a:t>
+            </a:r>
+            <a:r>
+              <a:rPr lang="en-US" altLang="ko-KR" sz="1600" dirty="0" smtClean="0"/>
+              <a:t>tests )</a:t>
             </a:r>
             <a:endParaRPr lang="ko-KR" altLang="en-US" dirty="0"/>
           </a:p>

--- a/docs/발표자료.pptx
+++ b/docs/발표자료.pptx
@@ -211,7 +211,7 @@
           <a:p>
             <a:fld id="{F3A6DB16-28FB-4CEA-9094-E65028644022}" type="datetimeFigureOut">
               <a:rPr lang="ko-KR" altLang="en-US" smtClean="0"/>
-              <a:t>2012-01-31</a:t>
+              <a:t>2012-02-02</a:t>
             </a:fld>
             <a:endParaRPr lang="ko-KR" altLang="en-US"/>
           </a:p>
@@ -377,7 +377,7 @@
           <a:p>
             <a:fld id="{4A91D267-B320-4105-AF60-E700C4D7049B}" type="datetimeFigureOut">
               <a:rPr lang="ko-KR" altLang="en-US" smtClean="0"/>
-              <a:t>2012-01-31</a:t>
+              <a:t>2012-02-02</a:t>
             </a:fld>
             <a:endParaRPr lang="ko-KR" altLang="en-US"/>
           </a:p>
@@ -2727,7 +2727,7 @@
         <p:spPr/>
         <p:txBody>
           <a:bodyPr>
-            <a:normAutofit/>
+            <a:normAutofit lnSpcReduction="10000"/>
           </a:bodyPr>
           <a:lstStyle/>
           <a:p>
@@ -2749,25 +2749,44 @@
             <a:endParaRPr lang="en-US" altLang="ko-KR" dirty="0" smtClean="0"/>
           </a:p>
           <a:p>
+            <a:pPr lvl="2"/>
+            <a:r>
+              <a:rPr lang="en-US" altLang="ko-KR" dirty="0" smtClean="0"/>
+              <a:t>Random test : 512 Bytes, 1 KB , 2KB , 4KB </a:t>
+            </a:r>
+          </a:p>
+          <a:p>
+            <a:pPr lvl="2"/>
+            <a:r>
+              <a:rPr lang="en-US" altLang="ko-KR" dirty="0" smtClean="0"/>
+              <a:t>Sequential test : 128 </a:t>
+            </a:r>
+            <a:r>
+              <a:rPr lang="en-US" altLang="ko-KR" dirty="0" smtClean="0"/>
+              <a:t>KB</a:t>
+            </a:r>
+          </a:p>
+          <a:p>
             <a:pPr lvl="1"/>
             <a:r>
               <a:rPr lang="en-US" altLang="ko-KR" dirty="0" smtClean="0"/>
-              <a:t>Transfer size</a:t>
+              <a:t>ATTO</a:t>
             </a:r>
           </a:p>
           <a:p>
             <a:pPr lvl="2"/>
             <a:r>
               <a:rPr lang="en-US" altLang="ko-KR" dirty="0" smtClean="0"/>
-              <a:t>Random test : 512 Bytes, 1 KB , 2KB , 4KB </a:t>
+              <a:t>Queue depth : 10 </a:t>
             </a:r>
           </a:p>
           <a:p>
             <a:pPr lvl="2"/>
             <a:r>
               <a:rPr lang="en-US" altLang="ko-KR" dirty="0" smtClean="0"/>
-              <a:t>Sequential test : 128 KB</a:t>
-            </a:r>
+              <a:t>Transfer size : 512Bytes ~ 32KB</a:t>
+            </a:r>
+            <a:endParaRPr lang="en-US" altLang="ko-KR" dirty="0" smtClean="0"/>
           </a:p>
           <a:p>
             <a:r>
@@ -2800,11 +2819,7 @@
             <a:pPr lvl="1"/>
             <a:r>
               <a:rPr lang="en-US" altLang="ko-KR" dirty="0" smtClean="0"/>
-              <a:t>Dynamic Sector </a:t>
-            </a:r>
-            <a:r>
-              <a:rPr lang="en-US" altLang="ko-KR" dirty="0" smtClean="0"/>
-              <a:t>mapping</a:t>
+              <a:t>Dynamic Sector mapping</a:t>
             </a:r>
           </a:p>
           <a:p>
@@ -2818,11 +2833,7 @@
             <a:pPr lvl="1"/>
             <a:r>
               <a:rPr lang="en-US" altLang="ko-KR" dirty="0" smtClean="0"/>
-              <a:t>Multi copy </a:t>
-            </a:r>
-            <a:r>
-              <a:rPr lang="en-US" altLang="ko-KR" smtClean="0"/>
-              <a:t>Sector mapping</a:t>
+              <a:t>Multi copy Sector mapping</a:t>
             </a:r>
             <a:endParaRPr lang="ko-KR" altLang="en-US" dirty="0"/>
           </a:p>
@@ -2938,62 +2949,30 @@
           <a:p>
             <a:r>
               <a:rPr lang="en-US" altLang="ko-KR" dirty="0" smtClean="0"/>
-              <a:t>Random </a:t>
-            </a:r>
-            <a:r>
-              <a:rPr lang="en-US" altLang="ko-KR" dirty="0" smtClean="0"/>
-              <a:t>Write </a:t>
-            </a:r>
-            <a:r>
-              <a:rPr lang="en-US" altLang="ko-KR" dirty="0" smtClean="0"/>
-              <a:t>test </a:t>
+              <a:t>Random Write test </a:t>
             </a:r>
             <a:r>
               <a:rPr lang="en-US" altLang="ko-KR" sz="1600" dirty="0" smtClean="0"/>
-              <a:t>( Average of </a:t>
+              <a:t>( Average of four tests )</a:t>
+            </a:r>
+          </a:p>
+          <a:p>
+            <a:endParaRPr lang="en-US" altLang="ko-KR" dirty="0"/>
+          </a:p>
+          <a:p>
+            <a:endParaRPr lang="en-US" altLang="ko-KR" dirty="0" smtClean="0"/>
+          </a:p>
+          <a:p>
+            <a:endParaRPr lang="en-US" altLang="ko-KR" dirty="0"/>
+          </a:p>
+          <a:p>
+            <a:r>
+              <a:rPr lang="en-US" altLang="ko-KR" dirty="0" smtClean="0"/>
+              <a:t>Sequential Read/Write test </a:t>
             </a:r>
             <a:r>
               <a:rPr lang="en-US" altLang="ko-KR" sz="1600" dirty="0" smtClean="0"/>
-              <a:t>four </a:t>
-            </a:r>
-            <a:r>
-              <a:rPr lang="en-US" altLang="ko-KR" sz="1600" dirty="0" smtClean="0"/>
-              <a:t>tests </a:t>
-            </a:r>
-            <a:r>
-              <a:rPr lang="en-US" altLang="ko-KR" sz="1600" dirty="0" smtClean="0"/>
-              <a:t>)</a:t>
-            </a:r>
-          </a:p>
-          <a:p>
-            <a:endParaRPr lang="en-US" altLang="ko-KR" dirty="0"/>
-          </a:p>
-          <a:p>
-            <a:endParaRPr lang="en-US" altLang="ko-KR" dirty="0" smtClean="0"/>
-          </a:p>
-          <a:p>
-            <a:endParaRPr lang="en-US" altLang="ko-KR" dirty="0"/>
-          </a:p>
-          <a:p>
-            <a:r>
-              <a:rPr lang="en-US" altLang="ko-KR" dirty="0" smtClean="0"/>
-              <a:t>Sequential Read/Write test </a:t>
-            </a:r>
-            <a:r>
-              <a:rPr lang="en-US" altLang="ko-KR" sz="1600" dirty="0" smtClean="0"/>
-              <a:t>( Average of </a:t>
-            </a:r>
-            <a:r>
-              <a:rPr lang="en-US" altLang="ko-KR" sz="1600" dirty="0" smtClean="0"/>
-              <a:t>four</a:t>
-            </a:r>
-            <a:r>
-              <a:rPr lang="en-US" altLang="ko-KR" sz="1600" dirty="0" smtClean="0"/>
-              <a:t> </a:t>
-            </a:r>
-            <a:r>
-              <a:rPr lang="en-US" altLang="ko-KR" sz="1600" dirty="0" smtClean="0"/>
-              <a:t>tests )</a:t>
+              <a:t>( Average of four tests )</a:t>
             </a:r>
             <a:endParaRPr lang="ko-KR" altLang="en-US" dirty="0"/>
           </a:p>
@@ -3080,7 +3059,7 @@
             </a:r>
             <a:r>
               <a:rPr lang="ko-KR" altLang="en-US" dirty="0" smtClean="0"/>
-              <a:t>그래프</a:t>
+              <a:t>그래프 </a:t>
             </a:r>
             <a:r>
               <a:rPr lang="en-US" altLang="ko-KR" dirty="0" smtClean="0"/>
@@ -3557,69 +3536,151 @@
         </p:nvSpPr>
         <p:spPr/>
         <p:txBody>
-          <a:bodyPr/>
+          <a:bodyPr>
+            <a:normAutofit/>
+          </a:bodyPr>
           <a:lstStyle/>
           <a:p>
-            <a:r>
-              <a:rPr lang="ko-KR" altLang="en-US" dirty="0" smtClean="0"/>
-              <a:t>오픈 </a:t>
-            </a:r>
+            <a:pPr lvl="0"/>
+            <a:r>
+              <a:rPr lang="en-US" altLang="ko-KR" dirty="0" smtClean="0"/>
+              <a:t>DFTL</a:t>
+            </a:r>
+            <a:r>
+              <a:rPr lang="en-US" altLang="ko-KR" dirty="0"/>
+              <a:t>: a flash translation layer employing demand-based selective caching of page-</a:t>
+            </a:r>
+            <a:r>
+              <a:rPr lang="en-US" altLang="ko-KR" dirty="0" err="1"/>
+              <a:t>leve</a:t>
+            </a:r>
+            <a:r>
+              <a:rPr lang="en-US" altLang="ko-KR" dirty="0"/>
+              <a:t> address mappings / </a:t>
+            </a:r>
+            <a:r>
+              <a:rPr lang="ko-KR" altLang="ko-KR" dirty="0"/>
+              <a:t>저자</a:t>
+            </a:r>
+            <a:r>
+              <a:rPr lang="en-US" altLang="ko-KR" dirty="0"/>
+              <a:t>: </a:t>
+            </a:r>
+            <a:r>
+              <a:rPr lang="en-US" altLang="ko-KR" dirty="0" err="1"/>
+              <a:t>Aayush</a:t>
+            </a:r>
+            <a:r>
+              <a:rPr lang="en-US" altLang="ko-KR" dirty="0"/>
+              <a:t> </a:t>
+            </a:r>
+            <a:r>
+              <a:rPr lang="en-US" altLang="ko-KR" dirty="0" err="1"/>
+              <a:t>GuptaKim</a:t>
+            </a:r>
+            <a:r>
+              <a:rPr lang="en-US" altLang="ko-KR" dirty="0"/>
+              <a:t>, </a:t>
+            </a:r>
+            <a:r>
+              <a:rPr lang="en-US" altLang="ko-KR" dirty="0" err="1"/>
+              <a:t>Bhuvan</a:t>
+            </a:r>
+            <a:r>
+              <a:rPr lang="en-US" altLang="ko-KR" dirty="0"/>
+              <a:t> </a:t>
+            </a:r>
+            <a:r>
+              <a:rPr lang="en-US" altLang="ko-KR" dirty="0" err="1"/>
+              <a:t>UrgaonkarYoungjae</a:t>
+            </a:r>
+            <a:r>
+              <a:rPr lang="en-US" altLang="ko-KR" dirty="0"/>
+              <a:t> </a:t>
+            </a:r>
+            <a:endParaRPr lang="en-US" altLang="ko-KR" dirty="0" smtClean="0"/>
+          </a:p>
+          <a:p>
+            <a:pPr lvl="0"/>
             <a:r>
               <a:rPr lang="en-US" altLang="ko-KR" dirty="0" err="1" smtClean="0"/>
-              <a:t>ssd</a:t>
-            </a:r>
-            <a:r>
-              <a:rPr lang="en-US" altLang="ko-KR" dirty="0" smtClean="0"/>
-              <a:t> project wiki</a:t>
-            </a:r>
-          </a:p>
-          <a:p>
-            <a:r>
-              <a:rPr lang="en-US" altLang="ko-KR" dirty="0" smtClean="0"/>
-              <a:t>technical </a:t>
-            </a:r>
-            <a:r>
-              <a:rPr lang="en-US" altLang="ko-KR" dirty="0" err="1" smtClean="0"/>
-              <a:t>menual</a:t>
-            </a:r>
-            <a:endParaRPr lang="en-US" altLang="ko-KR" dirty="0" smtClean="0"/>
-          </a:p>
-          <a:p>
-            <a:r>
-              <a:rPr lang="en-US" altLang="ko-KR" dirty="0" err="1" smtClean="0"/>
-              <a:t>dftl</a:t>
-            </a:r>
-            <a:endParaRPr lang="en-US" altLang="ko-KR" dirty="0" smtClean="0"/>
-          </a:p>
-          <a:p>
-            <a:r>
-              <a:rPr lang="en-US" altLang="ko-KR" dirty="0" smtClean="0"/>
-              <a:t>****</a:t>
-            </a:r>
-            <a:r>
-              <a:rPr lang="ko-KR" altLang="en-US" dirty="0" smtClean="0"/>
-              <a:t>임상필 석사 연구생</a:t>
-            </a:r>
-            <a:endParaRPr lang="en-US" altLang="ko-KR" dirty="0" smtClean="0"/>
-          </a:p>
-          <a:p>
-            <a:r>
-              <a:rPr lang="en-US" altLang="ko-KR" dirty="0" smtClean="0"/>
-              <a:t>*** </a:t>
-            </a:r>
-            <a:r>
-              <a:rPr lang="ko-KR" altLang="en-US" dirty="0" smtClean="0"/>
-              <a:t>정현모</a:t>
-            </a:r>
-            <a:r>
-              <a:rPr lang="en-US" altLang="ko-KR" dirty="0" smtClean="0"/>
-              <a:t> </a:t>
-            </a:r>
-            <a:r>
-              <a:rPr lang="ko-KR" altLang="en-US" dirty="0" smtClean="0"/>
-              <a:t>이사님</a:t>
-            </a:r>
-            <a:endParaRPr lang="en-US" altLang="ko-KR" dirty="0" smtClean="0"/>
+              <a:t>OpenSSD</a:t>
+            </a:r>
+            <a:r>
+              <a:rPr lang="en-US" altLang="ko-KR" dirty="0" smtClean="0"/>
+              <a:t> Project -  www.openssd-project.org</a:t>
+            </a:r>
+            <a:r>
+              <a:rPr lang="en-US" altLang="ko-KR" dirty="0"/>
+              <a:t>.</a:t>
+            </a:r>
+            <a:endParaRPr lang="ko-KR" altLang="ko-KR" dirty="0"/>
+          </a:p>
+          <a:p>
+            <a:pPr lvl="0"/>
+            <a:r>
+              <a:rPr lang="en-US" altLang="ko-KR" dirty="0"/>
+              <a:t>The Jasmine </a:t>
+            </a:r>
+            <a:r>
+              <a:rPr lang="en-US" altLang="ko-KR" dirty="0" err="1"/>
+              <a:t>OpenSSD</a:t>
+            </a:r>
+            <a:r>
+              <a:rPr lang="en-US" altLang="ko-KR" dirty="0"/>
+              <a:t> Platform: FTL Developer's </a:t>
+            </a:r>
+            <a:r>
+              <a:rPr lang="en-US" altLang="ko-KR" dirty="0" smtClean="0"/>
+              <a:t>Guide –http</a:t>
+            </a:r>
+            <a:r>
+              <a:rPr lang="en-US" altLang="ko-KR" dirty="0"/>
+              <a:t>://</a:t>
+            </a:r>
+            <a:r>
+              <a:rPr lang="en-US" altLang="ko-KR" dirty="0" smtClean="0"/>
+              <a:t>www.openssd-project.org/</a:t>
+            </a:r>
+          </a:p>
+          <a:p>
+            <a:pPr lvl="0"/>
+            <a:r>
+              <a:rPr lang="en-US" altLang="ko-KR" dirty="0" smtClean="0"/>
+              <a:t>The </a:t>
+            </a:r>
+            <a:r>
+              <a:rPr lang="en-US" altLang="ko-KR" dirty="0"/>
+              <a:t>Jasmine </a:t>
+            </a:r>
+            <a:r>
+              <a:rPr lang="en-US" altLang="ko-KR" dirty="0" err="1"/>
+              <a:t>OpenSSD</a:t>
+            </a:r>
+            <a:r>
+              <a:rPr lang="en-US" altLang="ko-KR" dirty="0"/>
+              <a:t> Platform: Technical Reference </a:t>
+            </a:r>
+            <a:r>
+              <a:rPr lang="en-US" altLang="ko-KR" dirty="0" smtClean="0"/>
+              <a:t>Manual</a:t>
+            </a:r>
+            <a:r>
+              <a:rPr lang="en-US" altLang="ko-KR" dirty="0"/>
+              <a:t/>
+            </a:r>
+            <a:br>
+              <a:rPr lang="en-US" altLang="ko-KR" dirty="0"/>
+            </a:br>
+            <a:r>
+              <a:rPr lang="en-US" altLang="ko-KR" dirty="0"/>
+              <a:t>- http://www.openssd-project.org</a:t>
+            </a:r>
+            <a:r>
+              <a:rPr lang="en-US" altLang="ko-KR" dirty="0" smtClean="0"/>
+              <a:t>/</a:t>
+            </a:r>
+            <a:endParaRPr lang="ko-KR" altLang="ko-KR" dirty="0"/>
           </a:p>
           <a:p>
             <a:endParaRPr lang="ko-KR" altLang="en-US" dirty="0"/>

--- a/docs/발표자료.pptx
+++ b/docs/발표자료.pptx
@@ -5,10 +5,10 @@
     <p:sldMasterId id="2147483660" r:id="rId1"/>
   </p:sldMasterIdLst>
   <p:notesMasterIdLst>
-    <p:notesMasterId r:id="rId19"/>
+    <p:notesMasterId r:id="rId18"/>
   </p:notesMasterIdLst>
   <p:handoutMasterIdLst>
-    <p:handoutMasterId r:id="rId20"/>
+    <p:handoutMasterId r:id="rId19"/>
   </p:handoutMasterIdLst>
   <p:sldIdLst>
     <p:sldId id="256" r:id="rId2"/>
@@ -23,11 +23,10 @@
     <p:sldId id="266" r:id="rId11"/>
     <p:sldId id="258" r:id="rId12"/>
     <p:sldId id="263" r:id="rId13"/>
-    <p:sldId id="265" r:id="rId14"/>
-    <p:sldId id="267" r:id="rId15"/>
-    <p:sldId id="264" r:id="rId16"/>
-    <p:sldId id="272" r:id="rId17"/>
-    <p:sldId id="273" r:id="rId18"/>
+    <p:sldId id="267" r:id="rId14"/>
+    <p:sldId id="264" r:id="rId15"/>
+    <p:sldId id="272" r:id="rId16"/>
+    <p:sldId id="273" r:id="rId17"/>
   </p:sldIdLst>
   <p:sldSz cx="9144000" cy="6858000" type="screen4x3"/>
   <p:notesSz cx="6858000" cy="9144000"/>
@@ -3146,23 +3145,48 @@
           <a:p>
             <a:r>
               <a:rPr lang="en-US" altLang="ko-KR" dirty="0" smtClean="0"/>
-              <a:t>Experiments results ( </a:t>
-            </a:r>
+              <a:t>Experiments results</a:t>
+            </a:r>
+            <a:endParaRPr lang="ko-KR" altLang="en-US" dirty="0"/>
+          </a:p>
+        </p:txBody>
+      </p:sp>
+      <p:sp>
+        <p:nvSpPr>
+          <p:cNvPr id="3" name="내용 개체 틀 2"/>
+          <p:cNvSpPr>
+            <a:spLocks noGrp="1"/>
+          </p:cNvSpPr>
+          <p:nvPr>
+            <p:ph idx="1"/>
+          </p:nvPr>
+        </p:nvSpPr>
+        <p:spPr/>
+        <p:txBody>
+          <a:bodyPr/>
+          <a:lstStyle/>
+          <a:p>
             <a:r>
               <a:rPr lang="ko-KR" altLang="en-US" dirty="0" smtClean="0"/>
-              <a:t>그래프 </a:t>
-            </a:r>
-            <a:r>
-              <a:rPr lang="en-US" altLang="ko-KR" dirty="0" smtClean="0"/>
-              <a:t>)</a:t>
-            </a:r>
+              <a:t>실험 분석</a:t>
+            </a:r>
+            <a:endParaRPr lang="en-US" altLang="ko-KR" dirty="0"/>
+          </a:p>
+          <a:p>
+            <a:r>
+              <a:rPr lang="ko-KR" altLang="en-US" dirty="0" smtClean="0"/>
+              <a:t>실험 결과가 저렇게 나온 이유 </a:t>
+            </a:r>
+            <a:endParaRPr lang="en-US" altLang="ko-KR" dirty="0" smtClean="0"/>
+          </a:p>
+          <a:p>
             <a:endParaRPr lang="ko-KR" altLang="en-US" dirty="0"/>
           </a:p>
         </p:txBody>
       </p:sp>
       <p:sp>
         <p:nvSpPr>
-          <p:cNvPr id="3" name="슬라이드 번호 개체 틀 2"/>
+          <p:cNvPr id="4" name="슬라이드 번호 개체 틀 3"/>
           <p:cNvSpPr>
             <a:spLocks noGrp="1"/>
           </p:cNvSpPr>
@@ -3186,7 +3210,7 @@
     </p:spTree>
     <p:extLst>
       <p:ext uri="{BB962C8B-B14F-4D97-AF65-F5344CB8AC3E}">
-        <p14:creationId xmlns:p14="http://schemas.microsoft.com/office/powerpoint/2010/main" val="3081402839"/>
+        <p14:creationId xmlns:p14="http://schemas.microsoft.com/office/powerpoint/2010/main" val="419007990"/>
       </p:ext>
     </p:extLst>
   </p:cSld>
@@ -3232,12 +3256,14 @@
         </p:nvSpPr>
         <p:spPr/>
         <p:txBody>
-          <a:bodyPr/>
+          <a:bodyPr>
+            <a:normAutofit/>
+          </a:bodyPr>
           <a:lstStyle/>
           <a:p>
             <a:r>
               <a:rPr lang="en-US" altLang="ko-KR" dirty="0" smtClean="0"/>
-              <a:t>Experiments results</a:t>
+              <a:t>Conclusion</a:t>
             </a:r>
             <a:endParaRPr lang="ko-KR" altLang="en-US" dirty="0"/>
           </a:p>
@@ -3260,16 +3286,63 @@
           <a:p>
             <a:r>
               <a:rPr lang="ko-KR" altLang="en-US" dirty="0" smtClean="0"/>
-              <a:t>실험 분석</a:t>
-            </a:r>
+              <a:t>개선 사항 </a:t>
+            </a:r>
+            <a:r>
+              <a:rPr lang="en-US" altLang="ko-KR" dirty="0" smtClean="0"/>
+              <a:t>( </a:t>
+            </a:r>
+            <a:r>
+              <a:rPr lang="ko-KR" altLang="en-US" dirty="0" smtClean="0"/>
+              <a:t>할 수 있다면 </a:t>
+            </a:r>
+            <a:r>
+              <a:rPr lang="en-US" altLang="ko-KR" dirty="0" smtClean="0"/>
+              <a:t>GC </a:t>
+            </a:r>
+            <a:r>
+              <a:rPr lang="ko-KR" altLang="en-US" dirty="0" smtClean="0"/>
+              <a:t>개선</a:t>
+            </a:r>
+            <a:r>
+              <a:rPr lang="en-US" altLang="ko-KR" dirty="0" smtClean="0"/>
+              <a:t>, Table </a:t>
+            </a:r>
+            <a:r>
+              <a:rPr lang="ko-KR" altLang="en-US" dirty="0" smtClean="0"/>
+              <a:t>관리 정책</a:t>
+            </a:r>
+            <a:r>
+              <a:rPr lang="en-US" altLang="ko-KR" dirty="0" smtClean="0"/>
+              <a:t>,  </a:t>
+            </a:r>
+            <a:r>
+              <a:rPr lang="ko-KR" altLang="en-US" dirty="0" smtClean="0"/>
+              <a:t>불필요한 변수들 최적화</a:t>
+            </a:r>
+            <a:r>
+              <a:rPr lang="en-US" altLang="ko-KR" dirty="0" smtClean="0"/>
+              <a:t>, </a:t>
+            </a:r>
+            <a:r>
+              <a:rPr lang="ko-KR" altLang="en-US" dirty="0" smtClean="0"/>
+              <a:t>알고리즘을 적용한 </a:t>
+            </a:r>
+            <a:r>
+              <a:rPr lang="ko-KR" altLang="en-US" dirty="0" err="1" smtClean="0"/>
+              <a:t>여러가지</a:t>
+            </a:r>
+            <a:r>
+              <a:rPr lang="ko-KR" altLang="en-US" dirty="0" smtClean="0"/>
+              <a:t> 트릭 </a:t>
+            </a:r>
+            <a:r>
+              <a:rPr lang="en-US" altLang="ko-KR" dirty="0" smtClean="0"/>
+              <a:t>)</a:t>
+            </a:r>
+          </a:p>
+          <a:p>
             <a:endParaRPr lang="en-US" altLang="ko-KR" dirty="0"/>
-          </a:p>
-          <a:p>
-            <a:r>
-              <a:rPr lang="ko-KR" altLang="en-US" dirty="0" smtClean="0"/>
-              <a:t>실험 결과가 저렇게 나온 이유 </a:t>
-            </a:r>
-            <a:endParaRPr lang="en-US" altLang="ko-KR" dirty="0" smtClean="0"/>
           </a:p>
           <a:p>
             <a:endParaRPr lang="ko-KR" altLang="en-US" dirty="0"/>
@@ -3302,7 +3375,7 @@
     </p:spTree>
     <p:extLst>
       <p:ext uri="{BB962C8B-B14F-4D97-AF65-F5344CB8AC3E}">
-        <p14:creationId xmlns:p14="http://schemas.microsoft.com/office/powerpoint/2010/main" val="419007990"/>
+        <p14:creationId xmlns:p14="http://schemas.microsoft.com/office/powerpoint/2010/main" val="2857184488"/>
       </p:ext>
     </p:extLst>
   </p:cSld>
@@ -3348,14 +3421,12 @@
         </p:nvSpPr>
         <p:spPr/>
         <p:txBody>
-          <a:bodyPr>
-            <a:normAutofit/>
-          </a:bodyPr>
+          <a:bodyPr/>
           <a:lstStyle/>
           <a:p>
             <a:r>
               <a:rPr lang="en-US" altLang="ko-KR" dirty="0" smtClean="0"/>
-              <a:t>Conclusion</a:t>
+              <a:t>Reference</a:t>
             </a:r>
             <a:endParaRPr lang="ko-KR" altLang="en-US" dirty="0"/>
           </a:p>
@@ -3373,68 +3444,151 @@
         </p:nvSpPr>
         <p:spPr/>
         <p:txBody>
-          <a:bodyPr/>
+          <a:bodyPr>
+            <a:normAutofit/>
+          </a:bodyPr>
           <a:lstStyle/>
           <a:p>
-            <a:r>
-              <a:rPr lang="ko-KR" altLang="en-US" dirty="0" smtClean="0"/>
-              <a:t>개선 사항 </a:t>
-            </a:r>
-            <a:r>
-              <a:rPr lang="en-US" altLang="ko-KR" dirty="0" smtClean="0"/>
-              <a:t>( </a:t>
-            </a:r>
-            <a:r>
-              <a:rPr lang="ko-KR" altLang="en-US" dirty="0" smtClean="0"/>
-              <a:t>할 수 있다면 </a:t>
-            </a:r>
-            <a:r>
-              <a:rPr lang="en-US" altLang="ko-KR" dirty="0" smtClean="0"/>
-              <a:t>GC </a:t>
-            </a:r>
-            <a:r>
-              <a:rPr lang="ko-KR" altLang="en-US" dirty="0" smtClean="0"/>
-              <a:t>개선</a:t>
-            </a:r>
-            <a:r>
-              <a:rPr lang="en-US" altLang="ko-KR" dirty="0" smtClean="0"/>
-              <a:t>, Table </a:t>
-            </a:r>
-            <a:r>
-              <a:rPr lang="ko-KR" altLang="en-US" dirty="0" smtClean="0"/>
-              <a:t>관리 정책</a:t>
-            </a:r>
-            <a:r>
-              <a:rPr lang="en-US" altLang="ko-KR" dirty="0" smtClean="0"/>
-              <a:t>,  </a:t>
-            </a:r>
-            <a:r>
-              <a:rPr lang="ko-KR" altLang="en-US" dirty="0" smtClean="0"/>
-              <a:t>불필요한 변수들 최적화</a:t>
-            </a:r>
-            <a:r>
-              <a:rPr lang="en-US" altLang="ko-KR" dirty="0" smtClean="0"/>
+            <a:pPr lvl="0"/>
+            <a:r>
+              <a:rPr lang="en-US" altLang="ko-KR" dirty="0" smtClean="0"/>
+              <a:t>DFTL</a:t>
+            </a:r>
+            <a:r>
+              <a:rPr lang="en-US" altLang="ko-KR" dirty="0"/>
+              <a:t>: a flash translation layer employing demand-based selective caching of page-</a:t>
+            </a:r>
+            <a:r>
+              <a:rPr lang="en-US" altLang="ko-KR" dirty="0" err="1"/>
+              <a:t>leve</a:t>
+            </a:r>
+            <a:r>
+              <a:rPr lang="en-US" altLang="ko-KR" dirty="0"/>
+              <a:t> address mappings / </a:t>
+            </a:r>
+            <a:r>
+              <a:rPr lang="ko-KR" altLang="ko-KR" dirty="0"/>
+              <a:t>저자</a:t>
+            </a:r>
+            <a:r>
+              <a:rPr lang="en-US" altLang="ko-KR" dirty="0"/>
+              <a:t>: </a:t>
+            </a:r>
+            <a:r>
+              <a:rPr lang="en-US" altLang="ko-KR" dirty="0" err="1"/>
+              <a:t>Aayush</a:t>
+            </a:r>
+            <a:r>
+              <a:rPr lang="en-US" altLang="ko-KR" dirty="0"/>
+              <a:t> </a:t>
+            </a:r>
+            <a:r>
+              <a:rPr lang="en-US" altLang="ko-KR" dirty="0" err="1"/>
+              <a:t>GuptaKim</a:t>
+            </a:r>
+            <a:r>
+              <a:rPr lang="en-US" altLang="ko-KR" dirty="0"/>
               <a:t>, </a:t>
             </a:r>
             <a:r>
-              <a:rPr lang="ko-KR" altLang="en-US" dirty="0" smtClean="0"/>
-              <a:t>알고리즘을 적용한 </a:t>
-            </a:r>
-            <a:r>
-              <a:rPr lang="ko-KR" altLang="en-US" dirty="0" err="1" smtClean="0"/>
-              <a:t>여러가지</a:t>
-            </a:r>
-            <a:r>
-              <a:rPr lang="ko-KR" altLang="en-US" dirty="0" smtClean="0"/>
-              <a:t> 트릭 </a:t>
-            </a:r>
-            <a:r>
-              <a:rPr lang="en-US" altLang="ko-KR" dirty="0" smtClean="0"/>
-              <a:t>)</a:t>
-            </a:r>
-          </a:p>
-          <a:p>
-            <a:endParaRPr lang="en-US" altLang="ko-KR" dirty="0"/>
+              <a:rPr lang="en-US" altLang="ko-KR" dirty="0" err="1"/>
+              <a:t>Bhuvan</a:t>
+            </a:r>
+            <a:r>
+              <a:rPr lang="en-US" altLang="ko-KR" dirty="0"/>
+              <a:t> </a:t>
+            </a:r>
+            <a:r>
+              <a:rPr lang="en-US" altLang="ko-KR" dirty="0" err="1"/>
+              <a:t>UrgaonkarYoungjae</a:t>
+            </a:r>
+            <a:r>
+              <a:rPr lang="en-US" altLang="ko-KR" dirty="0"/>
+              <a:t> </a:t>
+            </a:r>
+            <a:endParaRPr lang="en-US" altLang="ko-KR" dirty="0" smtClean="0"/>
+          </a:p>
+          <a:p>
+            <a:pPr lvl="0"/>
+            <a:r>
+              <a:rPr lang="en-US" altLang="ko-KR" dirty="0" err="1" smtClean="0"/>
+              <a:t>OpenSSD</a:t>
+            </a:r>
+            <a:r>
+              <a:rPr lang="en-US" altLang="ko-KR" dirty="0" smtClean="0"/>
+              <a:t> Project -  www.openssd-project.org</a:t>
+            </a:r>
+            <a:r>
+              <a:rPr lang="en-US" altLang="ko-KR" dirty="0"/>
+              <a:t>.</a:t>
+            </a:r>
+            <a:endParaRPr lang="ko-KR" altLang="ko-KR" dirty="0"/>
+          </a:p>
+          <a:p>
+            <a:pPr lvl="0"/>
+            <a:r>
+              <a:rPr lang="en-US" altLang="ko-KR" dirty="0"/>
+              <a:t>The Jasmine </a:t>
+            </a:r>
+            <a:r>
+              <a:rPr lang="en-US" altLang="ko-KR" dirty="0" err="1"/>
+              <a:t>OpenSSD</a:t>
+            </a:r>
+            <a:r>
+              <a:rPr lang="en-US" altLang="ko-KR" dirty="0"/>
+              <a:t> Platform: FTL Developer's </a:t>
+            </a:r>
+            <a:r>
+              <a:rPr lang="en-US" altLang="ko-KR" dirty="0" smtClean="0"/>
+              <a:t>Guide –http</a:t>
+            </a:r>
+            <a:r>
+              <a:rPr lang="en-US" altLang="ko-KR" dirty="0"/>
+              <a:t>://</a:t>
+            </a:r>
+            <a:r>
+              <a:rPr lang="en-US" altLang="ko-KR" dirty="0" smtClean="0"/>
+              <a:t>www.openssd-project.org/</a:t>
+            </a:r>
+          </a:p>
+          <a:p>
+            <a:pPr lvl="0"/>
+            <a:r>
+              <a:rPr lang="en-US" altLang="ko-KR" dirty="0" smtClean="0"/>
+              <a:t>The </a:t>
+            </a:r>
+            <a:r>
+              <a:rPr lang="en-US" altLang="ko-KR" dirty="0"/>
+              <a:t>Jasmine </a:t>
+            </a:r>
+            <a:r>
+              <a:rPr lang="en-US" altLang="ko-KR" dirty="0" err="1"/>
+              <a:t>OpenSSD</a:t>
+            </a:r>
+            <a:r>
+              <a:rPr lang="en-US" altLang="ko-KR" dirty="0"/>
+              <a:t> Platform: Technical Reference </a:t>
+            </a:r>
+            <a:r>
+              <a:rPr lang="en-US" altLang="ko-KR" dirty="0" smtClean="0"/>
+              <a:t>Manual</a:t>
+            </a:r>
+            <a:r>
+              <a:rPr lang="en-US" altLang="ko-KR" dirty="0"/>
+              <a:t/>
+            </a:r>
+            <a:br>
+              <a:rPr lang="en-US" altLang="ko-KR" dirty="0"/>
+            </a:br>
+            <a:r>
+              <a:rPr lang="en-US" altLang="ko-KR" dirty="0"/>
+              <a:t>- http://www.openssd-project.org</a:t>
+            </a:r>
+            <a:r>
+              <a:rPr lang="en-US" altLang="ko-KR" dirty="0" smtClean="0"/>
+              <a:t>/</a:t>
+            </a:r>
+            <a:endParaRPr lang="ko-KR" altLang="ko-KR" dirty="0"/>
           </a:p>
           <a:p>
             <a:endParaRPr lang="ko-KR" altLang="en-US" dirty="0"/>
@@ -3467,7 +3621,7 @@
     </p:spTree>
     <p:extLst>
       <p:ext uri="{BB962C8B-B14F-4D97-AF65-F5344CB8AC3E}">
-        <p14:creationId xmlns:p14="http://schemas.microsoft.com/office/powerpoint/2010/main" val="2857184488"/>
+        <p14:creationId xmlns:p14="http://schemas.microsoft.com/office/powerpoint/2010/main" val="2845430015"/>
       </p:ext>
     </p:extLst>
   </p:cSld>
@@ -3503,7 +3657,7 @@
       </p:grpSpPr>
       <p:sp>
         <p:nvSpPr>
-          <p:cNvPr id="2" name="제목 1"/>
+          <p:cNvPr id="5" name="제목 4"/>
           <p:cNvSpPr>
             <a:spLocks noGrp="1"/>
           </p:cNvSpPr>
@@ -3518,171 +3672,8 @@
           <a:p>
             <a:r>
               <a:rPr lang="en-US" altLang="ko-KR" dirty="0" smtClean="0"/>
-              <a:t>Reference</a:t>
-            </a:r>
-            <a:endParaRPr lang="ko-KR" altLang="en-US" dirty="0"/>
-          </a:p>
-        </p:txBody>
-      </p:sp>
-      <p:sp>
-        <p:nvSpPr>
-          <p:cNvPr id="3" name="내용 개체 틀 2"/>
-          <p:cNvSpPr>
-            <a:spLocks noGrp="1"/>
-          </p:cNvSpPr>
-          <p:nvPr>
-            <p:ph idx="1"/>
-          </p:nvPr>
-        </p:nvSpPr>
-        <p:spPr/>
-        <p:txBody>
-          <a:bodyPr>
-            <a:normAutofit/>
-          </a:bodyPr>
-          <a:lstStyle/>
-          <a:p>
-            <a:pPr lvl="0"/>
-            <a:r>
-              <a:rPr lang="en-US" altLang="ko-KR" dirty="0" smtClean="0"/>
-              <a:t>DFTL</a:t>
-            </a:r>
-            <a:r>
-              <a:rPr lang="en-US" altLang="ko-KR" dirty="0"/>
-              <a:t>: a flash translation layer employing demand-based selective caching of page-</a:t>
-            </a:r>
-            <a:r>
-              <a:rPr lang="en-US" altLang="ko-KR" dirty="0" err="1"/>
-              <a:t>leve</a:t>
-            </a:r>
-            <a:r>
-              <a:rPr lang="en-US" altLang="ko-KR" dirty="0"/>
-              <a:t> address mappings / </a:t>
-            </a:r>
-            <a:r>
-              <a:rPr lang="ko-KR" altLang="ko-KR" dirty="0"/>
-              <a:t>저자</a:t>
-            </a:r>
-            <a:r>
-              <a:rPr lang="en-US" altLang="ko-KR" dirty="0"/>
-              <a:t>: </a:t>
-            </a:r>
-            <a:r>
-              <a:rPr lang="en-US" altLang="ko-KR" dirty="0" err="1"/>
-              <a:t>Aayush</a:t>
-            </a:r>
-            <a:r>
-              <a:rPr lang="en-US" altLang="ko-KR" dirty="0"/>
-              <a:t> </a:t>
-            </a:r>
-            <a:r>
-              <a:rPr lang="en-US" altLang="ko-KR" dirty="0" err="1"/>
-              <a:t>GuptaKim</a:t>
-            </a:r>
-            <a:r>
-              <a:rPr lang="en-US" altLang="ko-KR" dirty="0"/>
-              <a:t>, </a:t>
-            </a:r>
-            <a:r>
-              <a:rPr lang="en-US" altLang="ko-KR" dirty="0" err="1"/>
-              <a:t>Bhuvan</a:t>
-            </a:r>
-            <a:r>
-              <a:rPr lang="en-US" altLang="ko-KR" dirty="0"/>
-              <a:t> </a:t>
-            </a:r>
-            <a:r>
-              <a:rPr lang="en-US" altLang="ko-KR" dirty="0" err="1"/>
-              <a:t>UrgaonkarYoungjae</a:t>
-            </a:r>
-            <a:r>
-              <a:rPr lang="en-US" altLang="ko-KR" dirty="0"/>
-              <a:t> </a:t>
-            </a:r>
-            <a:endParaRPr lang="en-US" altLang="ko-KR" dirty="0" smtClean="0"/>
-          </a:p>
-          <a:p>
-            <a:pPr lvl="0"/>
-            <a:r>
-              <a:rPr lang="en-US" altLang="ko-KR" dirty="0" err="1" smtClean="0"/>
-              <a:t>OpenSSD</a:t>
-            </a:r>
-            <a:r>
-              <a:rPr lang="en-US" altLang="ko-KR" dirty="0" smtClean="0"/>
-              <a:t> Project -  www.openssd-project.org</a:t>
-            </a:r>
-            <a:r>
-              <a:rPr lang="en-US" altLang="ko-KR" dirty="0"/>
-              <a:t>.</a:t>
-            </a:r>
-            <a:endParaRPr lang="ko-KR" altLang="ko-KR" dirty="0"/>
-          </a:p>
-          <a:p>
-            <a:pPr lvl="0"/>
-            <a:r>
-              <a:rPr lang="en-US" altLang="ko-KR" dirty="0"/>
-              <a:t>The Jasmine </a:t>
-            </a:r>
-            <a:r>
-              <a:rPr lang="en-US" altLang="ko-KR" dirty="0" err="1"/>
-              <a:t>OpenSSD</a:t>
-            </a:r>
-            <a:r>
-              <a:rPr lang="en-US" altLang="ko-KR" dirty="0"/>
-              <a:t> Platform: FTL Developer's </a:t>
-            </a:r>
-            <a:r>
-              <a:rPr lang="en-US" altLang="ko-KR" dirty="0" smtClean="0"/>
-              <a:t>Guide –http</a:t>
-            </a:r>
-            <a:r>
-              <a:rPr lang="en-US" altLang="ko-KR" dirty="0"/>
-              <a:t>://</a:t>
-            </a:r>
-            <a:r>
-              <a:rPr lang="en-US" altLang="ko-KR" dirty="0" smtClean="0"/>
-              <a:t>www.openssd-project.org/</a:t>
-            </a:r>
-          </a:p>
-          <a:p>
-            <a:pPr lvl="0"/>
-            <a:r>
-              <a:rPr lang="en-US" altLang="ko-KR" dirty="0" smtClean="0"/>
-              <a:t>The </a:t>
-            </a:r>
-            <a:r>
-              <a:rPr lang="en-US" altLang="ko-KR" dirty="0"/>
-              <a:t>Jasmine </a:t>
-            </a:r>
-            <a:r>
-              <a:rPr lang="en-US" altLang="ko-KR" dirty="0" err="1"/>
-              <a:t>OpenSSD</a:t>
-            </a:r>
-            <a:r>
-              <a:rPr lang="en-US" altLang="ko-KR" dirty="0"/>
-              <a:t> Platform: Technical Reference </a:t>
-            </a:r>
-            <a:r>
-              <a:rPr lang="en-US" altLang="ko-KR" dirty="0" smtClean="0"/>
-              <a:t>Manual</a:t>
-            </a:r>
-            <a:r>
-              <a:rPr lang="en-US" altLang="ko-KR" dirty="0"/>
-              <a:t/>
-            </a:r>
-            <a:br>
-              <a:rPr lang="en-US" altLang="ko-KR" dirty="0"/>
-            </a:br>
-            <a:r>
-              <a:rPr lang="en-US" altLang="ko-KR" dirty="0"/>
-              <a:t>- http://www.openssd-project.org</a:t>
-            </a:r>
-            <a:r>
-              <a:rPr lang="en-US" altLang="ko-KR" dirty="0" smtClean="0"/>
-              <a:t>/</a:t>
-            </a:r>
-            <a:endParaRPr lang="ko-KR" altLang="ko-KR" dirty="0"/>
-          </a:p>
-          <a:p>
+              <a:t>Q &amp; A </a:t>
+            </a:r>
             <a:endParaRPr lang="ko-KR" altLang="en-US" dirty="0"/>
           </a:p>
         </p:txBody>
@@ -3705,89 +3696,6 @@
             <a:fld id="{AEF37EF8-7525-4FA1-A045-D1EE31C2B6AD}" type="slidenum">
               <a:rPr lang="ko-KR" altLang="en-US" smtClean="0"/>
               <a:t>16</a:t>
-            </a:fld>
-            <a:endParaRPr lang="ko-KR" altLang="en-US"/>
-          </a:p>
-        </p:txBody>
-      </p:sp>
-    </p:spTree>
-    <p:extLst>
-      <p:ext uri="{BB962C8B-B14F-4D97-AF65-F5344CB8AC3E}">
-        <p14:creationId xmlns:p14="http://schemas.microsoft.com/office/powerpoint/2010/main" val="2845430015"/>
-      </p:ext>
-    </p:extLst>
-  </p:cSld>
-  <p:clrMapOvr>
-    <a:masterClrMapping/>
-  </p:clrMapOvr>
-  <p:timing>
-    <p:tnLst>
-      <p:par>
-        <p:cTn id="1" dur="indefinite" restart="never" nodeType="tmRoot"/>
-      </p:par>
-    </p:tnLst>
-  </p:timing>
-</p:sld>
-</file>
-
-<file path=ppt/slides/slide17.xml><?xml version="1.0" encoding="utf-8"?>
-<p:sld xmlns:a="http://schemas.openxmlformats.org/drawingml/2006/main" xmlns:r="http://schemas.openxmlformats.org/officeDocument/2006/relationships" xmlns:p="http://schemas.openxmlformats.org/presentationml/2006/main">
-  <p:cSld>
-    <p:spTree>
-      <p:nvGrpSpPr>
-        <p:cNvPr id="1" name=""/>
-        <p:cNvGrpSpPr/>
-        <p:nvPr/>
-      </p:nvGrpSpPr>
-      <p:grpSpPr>
-        <a:xfrm>
-          <a:off x="0" y="0"/>
-          <a:ext cx="0" cy="0"/>
-          <a:chOff x="0" y="0"/>
-          <a:chExt cx="0" cy="0"/>
-        </a:xfrm>
-      </p:grpSpPr>
-      <p:sp>
-        <p:nvSpPr>
-          <p:cNvPr id="5" name="제목 4"/>
-          <p:cNvSpPr>
-            <a:spLocks noGrp="1"/>
-          </p:cNvSpPr>
-          <p:nvPr>
-            <p:ph type="title"/>
-          </p:nvPr>
-        </p:nvSpPr>
-        <p:spPr/>
-        <p:txBody>
-          <a:bodyPr/>
-          <a:lstStyle/>
-          <a:p>
-            <a:r>
-              <a:rPr lang="en-US" altLang="ko-KR" dirty="0" smtClean="0"/>
-              <a:t>Q &amp; A </a:t>
-            </a:r>
-            <a:endParaRPr lang="ko-KR" altLang="en-US" dirty="0"/>
-          </a:p>
-        </p:txBody>
-      </p:sp>
-      <p:sp>
-        <p:nvSpPr>
-          <p:cNvPr id="4" name="슬라이드 번호 개체 틀 3"/>
-          <p:cNvSpPr>
-            <a:spLocks noGrp="1"/>
-          </p:cNvSpPr>
-          <p:nvPr>
-            <p:ph type="sldNum" sz="quarter" idx="10"/>
-          </p:nvPr>
-        </p:nvSpPr>
-        <p:spPr/>
-        <p:txBody>
-          <a:bodyPr/>
-          <a:lstStyle/>
-          <a:p>
-            <a:fld id="{AEF37EF8-7525-4FA1-A045-D1EE31C2B6AD}" type="slidenum">
-              <a:rPr lang="ko-KR" altLang="en-US" smtClean="0"/>
-              <a:t>17</a:t>
             </a:fld>
             <a:endParaRPr lang="ko-KR" altLang="en-US"/>
           </a:p>
@@ -11149,77 +11057,8 @@
           <a:lstStyle/>
           <a:p>
             <a:r>
-              <a:rPr lang="en-US" altLang="ko-KR" dirty="0" smtClean="0"/>
-              <a:t>Dynamic </a:t>
-            </a:r>
-            <a:r>
               <a:rPr lang="ko-KR" altLang="en-US" dirty="0" smtClean="0"/>
-              <a:t>과 </a:t>
-            </a:r>
-            <a:r>
-              <a:rPr lang="en-US" altLang="ko-KR" dirty="0" smtClean="0"/>
-              <a:t>static </a:t>
-            </a:r>
-            <a:r>
-              <a:rPr lang="ko-KR" altLang="en-US" dirty="0" smtClean="0"/>
-              <a:t>비교</a:t>
-            </a:r>
-            <a:endParaRPr lang="en-US" altLang="ko-KR" dirty="0" smtClean="0"/>
-          </a:p>
-          <a:p>
-            <a:r>
-              <a:rPr lang="ko-KR" altLang="en-US" dirty="0" smtClean="0"/>
-              <a:t>다른 실험은 </a:t>
-            </a:r>
-            <a:r>
-              <a:rPr lang="ko-KR" altLang="en-US" dirty="0" err="1" smtClean="0"/>
-              <a:t>안한</a:t>
-            </a:r>
-            <a:r>
-              <a:rPr lang="ko-KR" altLang="en-US" dirty="0" smtClean="0"/>
-              <a:t> 이유</a:t>
-            </a:r>
-            <a:r>
-              <a:rPr lang="en-US" altLang="ko-KR" dirty="0" smtClean="0"/>
-              <a:t>. </a:t>
-            </a:r>
-          </a:p>
-          <a:p>
-            <a:r>
-              <a:rPr lang="ko-KR" altLang="en-US" dirty="0" smtClean="0"/>
-              <a:t>약간의 최적화 트릭 </a:t>
-            </a:r>
-            <a:r>
-              <a:rPr lang="en-US" altLang="ko-KR" dirty="0" smtClean="0"/>
-              <a:t>( loop </a:t>
-            </a:r>
-            <a:r>
-              <a:rPr lang="ko-KR" altLang="en-US" dirty="0" smtClean="0"/>
-              <a:t>없애고 </a:t>
-            </a:r>
-            <a:r>
-              <a:rPr lang="en-US" altLang="ko-KR" dirty="0" smtClean="0"/>
-              <a:t>most bit </a:t>
-            </a:r>
-            <a:r>
-              <a:rPr lang="ko-KR" altLang="en-US" dirty="0" smtClean="0"/>
-              <a:t>이용해서 </a:t>
-            </a:r>
-            <a:r>
-              <a:rPr lang="en-US" altLang="ko-KR" dirty="0" smtClean="0"/>
-              <a:t>dram search </a:t>
-            </a:r>
-            <a:r>
-              <a:rPr lang="ko-KR" altLang="en-US" dirty="0" err="1" smtClean="0"/>
-              <a:t>하는거</a:t>
-            </a:r>
-            <a:r>
-              <a:rPr lang="ko-KR" altLang="en-US" dirty="0" smtClean="0"/>
-              <a:t> </a:t>
-            </a:r>
-            <a:r>
-              <a:rPr lang="en-US" altLang="ko-KR" dirty="0" smtClean="0"/>
-              <a:t>) </a:t>
+              <a:t>보고서의 구현 이슈 부분</a:t>
             </a:r>
             <a:endParaRPr lang="ko-KR" altLang="en-US" dirty="0"/>
           </a:p>
